--- a/Week04/CNN.pptx
+++ b/Week04/CNN.pptx
@@ -5403,7 +5403,7 @@
         <p:spPr>
           <a:xfrm>
             <a:off x="366268" y="2045732"/>
-            <a:ext cx="3646932" cy="3897868"/>
+            <a:ext cx="4003404" cy="4278868"/>
           </a:xfrm>
           <a:prstGeom prst="rect">
             <a:avLst/>
